--- a/doc/Modul Kollokationen - Beispiel.pptx
+++ b/doc/Modul Kollokationen - Beispiel.pptx
@@ -5,18 +5,16 @@
     <p:sldMasterId id="2147483696" r:id="rId1"/>
   </p:sldMasterIdLst>
   <p:notesMasterIdLst>
-    <p:notesMasterId r:id="rId11"/>
+    <p:notesMasterId r:id="rId9"/>
   </p:notesMasterIdLst>
   <p:sldIdLst>
     <p:sldId id="256" r:id="rId2"/>
     <p:sldId id="258" r:id="rId3"/>
     <p:sldId id="259" r:id="rId4"/>
-    <p:sldId id="264" r:id="rId5"/>
-    <p:sldId id="257" r:id="rId6"/>
-    <p:sldId id="260" r:id="rId7"/>
-    <p:sldId id="261" r:id="rId8"/>
-    <p:sldId id="263" r:id="rId9"/>
-    <p:sldId id="262" r:id="rId10"/>
+    <p:sldId id="257" r:id="rId5"/>
+    <p:sldId id="260" r:id="rId6"/>
+    <p:sldId id="261" r:id="rId7"/>
+    <p:sldId id="262" r:id="rId8"/>
   </p:sldIdLst>
   <p:sldSz cx="9144000" cy="6858000" type="screen4x3"/>
   <p:notesSz cx="6858000" cy="9144000"/>
@@ -200,7 +198,8 @@
           <a:p>
             <a:fld id="{FB3363E1-A7B1-449F-A7FA-EE6F0A2C5CCA}" type="datetimeFigureOut">
               <a:rPr lang="de-DE" smtClean="0"/>
-              <a:t>18.03.2014</a:t>
+              <a:pPr/>
+              <a:t>22.05.2014</a:t>
             </a:fld>
             <a:endParaRPr lang="de-DE"/>
           </a:p>
@@ -361,6 +360,7 @@
           <a:p>
             <a:fld id="{0C8AA86D-F1AA-403D-9F28-65CB6108F97D}" type="slidenum">
               <a:rPr lang="de-DE" smtClean="0"/>
+              <a:pPr/>
               <a:t>‹Nr.›</a:t>
             </a:fld>
             <a:endParaRPr lang="de-DE"/>
@@ -544,6 +544,7 @@
           <a:p>
             <a:fld id="{0C8AA86D-F1AA-403D-9F28-65CB6108F97D}" type="slidenum">
               <a:rPr lang="de-DE" smtClean="0"/>
+              <a:pPr/>
               <a:t>3</a:t>
             </a:fld>
             <a:endParaRPr lang="de-DE"/>
@@ -660,7 +661,8 @@
           <a:p>
             <a:fld id="{0C8AA86D-F1AA-403D-9F28-65CB6108F97D}" type="slidenum">
               <a:rPr lang="de-DE" smtClean="0"/>
-              <a:t>5</a:t>
+              <a:pPr/>
+              <a:t>4</a:t>
             </a:fld>
             <a:endParaRPr lang="de-DE"/>
           </a:p>
@@ -749,7 +751,8 @@
           <a:p>
             <a:fld id="{0C8AA86D-F1AA-403D-9F28-65CB6108F97D}" type="slidenum">
               <a:rPr lang="de-DE" smtClean="0"/>
-              <a:t>9</a:t>
+              <a:pPr/>
+              <a:t>7</a:t>
             </a:fld>
             <a:endParaRPr lang="de-DE"/>
           </a:p>
@@ -937,7 +940,7 @@
             <a:fld id="{2E26658F-1D91-4468-AA56-B4B3E4389F7F}" type="datetimeFigureOut">
               <a:rPr lang="de-DE" smtClean="0"/>
               <a:pPr/>
-              <a:t>18.03.2014</a:t>
+              <a:t>22.05.2014</a:t>
             </a:fld>
             <a:endParaRPr lang="de-DE"/>
           </a:p>
@@ -1104,7 +1107,7 @@
             <a:fld id="{2E26658F-1D91-4468-AA56-B4B3E4389F7F}" type="datetimeFigureOut">
               <a:rPr lang="de-DE" smtClean="0"/>
               <a:pPr/>
-              <a:t>18.03.2014</a:t>
+              <a:t>22.05.2014</a:t>
             </a:fld>
             <a:endParaRPr lang="de-DE"/>
           </a:p>
@@ -1281,7 +1284,7 @@
             <a:fld id="{2E26658F-1D91-4468-AA56-B4B3E4389F7F}" type="datetimeFigureOut">
               <a:rPr lang="de-DE" smtClean="0"/>
               <a:pPr/>
-              <a:t>18.03.2014</a:t>
+              <a:t>22.05.2014</a:t>
             </a:fld>
             <a:endParaRPr lang="de-DE"/>
           </a:p>
@@ -1448,7 +1451,7 @@
             <a:fld id="{2E26658F-1D91-4468-AA56-B4B3E4389F7F}" type="datetimeFigureOut">
               <a:rPr lang="de-DE" smtClean="0"/>
               <a:pPr/>
-              <a:t>18.03.2014</a:t>
+              <a:t>22.05.2014</a:t>
             </a:fld>
             <a:endParaRPr lang="de-DE"/>
           </a:p>
@@ -1692,7 +1695,7 @@
             <a:fld id="{2E26658F-1D91-4468-AA56-B4B3E4389F7F}" type="datetimeFigureOut">
               <a:rPr lang="de-DE" smtClean="0"/>
               <a:pPr/>
-              <a:t>18.03.2014</a:t>
+              <a:t>22.05.2014</a:t>
             </a:fld>
             <a:endParaRPr lang="de-DE"/>
           </a:p>
@@ -1958,7 +1961,7 @@
             <a:fld id="{2E26658F-1D91-4468-AA56-B4B3E4389F7F}" type="datetimeFigureOut">
               <a:rPr lang="de-DE" smtClean="0"/>
               <a:pPr/>
-              <a:t>18.03.2014</a:t>
+              <a:t>22.05.2014</a:t>
             </a:fld>
             <a:endParaRPr lang="de-DE"/>
           </a:p>
@@ -2338,7 +2341,7 @@
             <a:fld id="{2E26658F-1D91-4468-AA56-B4B3E4389F7F}" type="datetimeFigureOut">
               <a:rPr lang="de-DE" smtClean="0"/>
               <a:pPr/>
-              <a:t>18.03.2014</a:t>
+              <a:t>22.05.2014</a:t>
             </a:fld>
             <a:endParaRPr lang="de-DE"/>
           </a:p>
@@ -2490,7 +2493,7 @@
             <a:fld id="{2E26658F-1D91-4468-AA56-B4B3E4389F7F}" type="datetimeFigureOut">
               <a:rPr lang="de-DE" smtClean="0"/>
               <a:pPr/>
-              <a:t>18.03.2014</a:t>
+              <a:t>22.05.2014</a:t>
             </a:fld>
             <a:endParaRPr lang="de-DE"/>
           </a:p>
@@ -2582,7 +2585,7 @@
             <a:fld id="{2E26658F-1D91-4468-AA56-B4B3E4389F7F}" type="datetimeFigureOut">
               <a:rPr lang="de-DE" smtClean="0"/>
               <a:pPr/>
-              <a:t>18.03.2014</a:t>
+              <a:t>22.05.2014</a:t>
             </a:fld>
             <a:endParaRPr lang="de-DE"/>
           </a:p>
@@ -2845,7 +2848,7 @@
             <a:fld id="{2E26658F-1D91-4468-AA56-B4B3E4389F7F}" type="datetimeFigureOut">
               <a:rPr lang="de-DE" smtClean="0"/>
               <a:pPr/>
-              <a:t>18.03.2014</a:t>
+              <a:t>22.05.2014</a:t>
             </a:fld>
             <a:endParaRPr lang="de-DE"/>
           </a:p>
@@ -3135,7 +3138,7 @@
             <a:fld id="{2E26658F-1D91-4468-AA56-B4B3E4389F7F}" type="datetimeFigureOut">
               <a:rPr lang="de-DE" smtClean="0"/>
               <a:pPr/>
-              <a:t>18.03.2014</a:t>
+              <a:t>22.05.2014</a:t>
             </a:fld>
             <a:endParaRPr lang="de-DE"/>
           </a:p>
@@ -3908,7 +3911,7 @@
             <a:fld id="{2E26658F-1D91-4468-AA56-B4B3E4389F7F}" type="datetimeFigureOut">
               <a:rPr lang="de-DE" smtClean="0"/>
               <a:pPr/>
-              <a:t>18.03.2014</a:t>
+              <a:t>22.05.2014</a:t>
             </a:fld>
             <a:endParaRPr lang="de-DE"/>
           </a:p>
@@ -4801,22 +4804,14 @@
             <a:pPr algn="l"/>
             <a:r>
               <a:rPr lang="de-DE" dirty="0" smtClean="0"/>
-              <a:t>	</a:t>
-            </a:r>
+              <a:t>			     zum Beispiel</a:t>
+            </a:r>
+          </a:p>
+          <a:p>
+            <a:pPr algn="l"/>
             <a:r>
               <a:rPr lang="de-DE" dirty="0" smtClean="0"/>
-              <a:t>		     zum Beispiel</a:t>
-            </a:r>
-          </a:p>
-          <a:p>
-            <a:pPr algn="l"/>
-            <a:r>
-              <a:rPr lang="de-DE" dirty="0" smtClean="0"/>
-              <a:t>	</a:t>
-            </a:r>
-            <a:r>
-              <a:rPr lang="de-DE" dirty="0" smtClean="0"/>
-              <a:t>				    Balsam für die Seele</a:t>
+              <a:t>					    Balsam für die Seele</a:t>
             </a:r>
             <a:endParaRPr lang="de-DE" dirty="0"/>
           </a:p>
@@ -4955,25 +4950,6 @@
               <a:rPr lang="de-DE" sz="5000" dirty="0" smtClean="0"/>
             </a:br>
             <a:endParaRPr lang="de-DE" sz="5000" dirty="0"/>
-          </a:p>
-        </p:txBody>
-      </p:sp>
-      <p:sp>
-        <p:nvSpPr>
-          <p:cNvPr id="6" name="Untertitel 5"/>
-          <p:cNvSpPr>
-            <a:spLocks noGrp="1"/>
-          </p:cNvSpPr>
-          <p:nvPr>
-            <p:ph type="subTitle" idx="1"/>
-          </p:nvPr>
-        </p:nvSpPr>
-        <p:spPr/>
-        <p:txBody>
-          <a:bodyPr/>
-          <a:lstStyle/>
-          <a:p>
-            <a:endParaRPr lang="de-DE" dirty="0"/>
           </a:p>
         </p:txBody>
       </p:sp>
@@ -5173,107 +5149,6 @@
           <a:chExt cx="0" cy="0"/>
         </a:xfrm>
       </p:grpSpPr>
-      <p:sp>
-        <p:nvSpPr>
-          <p:cNvPr id="5" name="Titel 4"/>
-          <p:cNvSpPr>
-            <a:spLocks noGrp="1"/>
-          </p:cNvSpPr>
-          <p:nvPr>
-            <p:ph type="ctrTitle"/>
-          </p:nvPr>
-        </p:nvSpPr>
-        <p:spPr>
-          <a:xfrm>
-            <a:off x="533400" y="1052736"/>
-            <a:ext cx="7851648" cy="936104"/>
-          </a:xfrm>
-        </p:spPr>
-        <p:txBody>
-          <a:bodyPr>
-            <a:normAutofit/>
-          </a:bodyPr>
-          <a:lstStyle/>
-          <a:p>
-            <a:endParaRPr lang="de-DE" sz="5000" dirty="0"/>
-          </a:p>
-        </p:txBody>
-      </p:sp>
-      <p:sp>
-        <p:nvSpPr>
-          <p:cNvPr id="6" name="Untertitel 5"/>
-          <p:cNvSpPr>
-            <a:spLocks noGrp="1"/>
-          </p:cNvSpPr>
-          <p:nvPr>
-            <p:ph type="subTitle" idx="1"/>
-          </p:nvPr>
-        </p:nvSpPr>
-        <p:spPr/>
-        <p:txBody>
-          <a:bodyPr/>
-          <a:lstStyle/>
-          <a:p>
-            <a:endParaRPr lang="de-DE"/>
-          </a:p>
-        </p:txBody>
-      </p:sp>
-    </p:spTree>
-  </p:cSld>
-  <p:clrMapOvr>
-    <a:masterClrMapping/>
-  </p:clrMapOvr>
-  <p:timing>
-    <p:tnLst>
-      <p:par>
-        <p:cTn id="1" dur="indefinite" restart="never" nodeType="tmRoot"/>
-      </p:par>
-    </p:tnLst>
-  </p:timing>
-</p:sld>
-</file>
-
-<file path=ppt/slides/slide5.xml><?xml version="1.0" encoding="utf-8"?>
-<p:sld xmlns:a="http://schemas.openxmlformats.org/drawingml/2006/main" xmlns:r="http://schemas.openxmlformats.org/officeDocument/2006/relationships" xmlns:p="http://schemas.openxmlformats.org/presentationml/2006/main">
-  <p:cSld>
-    <p:spTree>
-      <p:nvGrpSpPr>
-        <p:cNvPr id="1" name=""/>
-        <p:cNvGrpSpPr/>
-        <p:nvPr/>
-      </p:nvGrpSpPr>
-      <p:grpSpPr>
-        <a:xfrm>
-          <a:off x="0" y="0"/>
-          <a:ext cx="0" cy="0"/>
-          <a:chOff x="0" y="0"/>
-          <a:chExt cx="0" cy="0"/>
-        </a:xfrm>
-      </p:grpSpPr>
-      <p:sp>
-        <p:nvSpPr>
-          <p:cNvPr id="6" name="Untertitel 5"/>
-          <p:cNvSpPr>
-            <a:spLocks noGrp="1"/>
-          </p:cNvSpPr>
-          <p:nvPr>
-            <p:ph type="subTitle" idx="1"/>
-          </p:nvPr>
-        </p:nvSpPr>
-        <p:spPr>
-          <a:xfrm>
-            <a:off x="533400" y="1484784"/>
-            <a:ext cx="7854696" cy="4464496"/>
-          </a:xfrm>
-        </p:spPr>
-        <p:txBody>
-          <a:bodyPr/>
-          <a:lstStyle/>
-          <a:p>
-            <a:endParaRPr lang="de-DE" dirty="0"/>
-          </a:p>
-        </p:txBody>
-      </p:sp>
       <p:pic>
         <p:nvPicPr>
           <p:cNvPr id="8" name="Grafik 7" descr="Männchen.gif"/>
@@ -5495,7 +5370,7 @@
 </p:sld>
 </file>
 
-<file path=ppt/slides/slide6.xml><?xml version="1.0" encoding="utf-8"?>
+<file path=ppt/slides/slide5.xml><?xml version="1.0" encoding="utf-8"?>
 <p:sld xmlns:a="http://schemas.openxmlformats.org/drawingml/2006/main" xmlns:r="http://schemas.openxmlformats.org/officeDocument/2006/relationships" xmlns:p="http://schemas.openxmlformats.org/presentationml/2006/main">
   <p:cSld>
     <p:spTree>
@@ -5569,8 +5444,17 @@
             </a:pPr>
             <a:r>
               <a:rPr lang="de-DE" dirty="0" smtClean="0"/>
-              <a:t>Bestimmen der usuellen Wortverbindungen eines Korpus</a:t>
-            </a:r>
+              <a:t> Bestimmen </a:t>
+            </a:r>
+            <a:r>
+              <a:rPr lang="de-DE" dirty="0" smtClean="0"/>
+              <a:t>der usuellen Wortverbindungen eines </a:t>
+            </a:r>
+            <a:r>
+              <a:rPr lang="de-DE" dirty="0" smtClean="0"/>
+              <a:t>	Korpus</a:t>
+            </a:r>
+            <a:endParaRPr lang="de-DE" dirty="0" smtClean="0"/>
           </a:p>
           <a:p>
             <a:pPr algn="l">
@@ -5579,7 +5463,11 @@
             </a:pPr>
             <a:r>
               <a:rPr lang="de-DE" dirty="0" smtClean="0"/>
-              <a:t>Identifizieren von Argumentationsmustern</a:t>
+              <a:t> Identifizieren </a:t>
+            </a:r>
+            <a:r>
+              <a:rPr lang="de-DE" dirty="0" smtClean="0"/>
+              <a:t>von Argumentationsmustern</a:t>
             </a:r>
           </a:p>
           <a:p>
@@ -5589,7 +5477,7 @@
             </a:pPr>
             <a:r>
               <a:rPr lang="de-DE" dirty="0" smtClean="0"/>
-              <a:t>….</a:t>
+              <a:t> ….</a:t>
             </a:r>
             <a:endParaRPr lang="de-DE" dirty="0"/>
           </a:p>
@@ -5753,6 +5641,208 @@
           <a:xfrm>
             <a:off x="6057900" y="0"/>
             <a:ext cx="3086100" cy="428625"/>
+          </a:xfrm>
+          <a:prstGeom prst="rect">
+            <a:avLst/>
+          </a:prstGeom>
+        </p:spPr>
+      </p:pic>
+    </p:spTree>
+  </p:cSld>
+  <p:clrMapOvr>
+    <a:masterClrMapping/>
+  </p:clrMapOvr>
+  <p:timing>
+    <p:tnLst>
+      <p:par>
+        <p:cTn id="1" dur="indefinite" restart="never" nodeType="tmRoot"/>
+      </p:par>
+    </p:tnLst>
+  </p:timing>
+</p:sld>
+</file>
+
+<file path=ppt/slides/slide6.xml><?xml version="1.0" encoding="utf-8"?>
+<p:sld xmlns:a="http://schemas.openxmlformats.org/drawingml/2006/main" xmlns:r="http://schemas.openxmlformats.org/officeDocument/2006/relationships" xmlns:p="http://schemas.openxmlformats.org/presentationml/2006/main">
+  <p:cSld>
+    <p:spTree>
+      <p:nvGrpSpPr>
+        <p:cNvPr id="1" name=""/>
+        <p:cNvGrpSpPr/>
+        <p:nvPr/>
+      </p:nvGrpSpPr>
+      <p:grpSpPr>
+        <a:xfrm>
+          <a:off x="0" y="0"/>
+          <a:ext cx="0" cy="0"/>
+          <a:chOff x="0" y="0"/>
+          <a:chExt cx="0" cy="0"/>
+        </a:xfrm>
+      </p:grpSpPr>
+      <p:sp>
+        <p:nvSpPr>
+          <p:cNvPr id="6" name="Untertitel 5"/>
+          <p:cNvSpPr>
+            <a:spLocks noGrp="1"/>
+          </p:cNvSpPr>
+          <p:nvPr>
+            <p:ph type="subTitle" idx="1"/>
+          </p:nvPr>
+        </p:nvSpPr>
+        <p:spPr>
+          <a:xfrm>
+            <a:off x="533400" y="1052736"/>
+            <a:ext cx="7854696" cy="5400600"/>
+          </a:xfrm>
+        </p:spPr>
+        <p:txBody>
+          <a:bodyPr>
+            <a:normAutofit/>
+          </a:bodyPr>
+          <a:lstStyle/>
+          <a:p>
+            <a:pPr algn="ctr"/>
+            <a:r>
+              <a:rPr lang="de-DE" sz="5000" b="1" dirty="0" smtClean="0">
+                <a:solidFill>
+                  <a:schemeClr val="accent3">
+                    <a:tint val="90000"/>
+                    <a:satMod val="120000"/>
+                  </a:schemeClr>
+                </a:solidFill>
+                <a:effectLst>
+                  <a:outerShdw blurRad="38100" dist="25400" dir="5400000" algn="tl" rotWithShape="0">
+                    <a:srgbClr val="000000">
+                      <a:alpha val="43000"/>
+                    </a:srgbClr>
+                  </a:outerShdw>
+                </a:effectLst>
+                <a:latin typeface="+mj-lt"/>
+                <a:ea typeface="+mj-ea"/>
+                <a:cs typeface="+mj-cs"/>
+              </a:rPr>
+              <a:t>Praxisbeispiel</a:t>
+            </a:r>
+          </a:p>
+          <a:p>
+            <a:pPr algn="l"/>
+            <a:endParaRPr lang="de-DE" b="1" dirty="0" smtClean="0"/>
+          </a:p>
+          <a:p>
+            <a:pPr algn="l"/>
+            <a:r>
+              <a:rPr lang="de-DE" b="1" dirty="0" err="1" smtClean="0"/>
+              <a:t>SprichWort</a:t>
+            </a:r>
+            <a:endParaRPr lang="de-DE" b="1" dirty="0" smtClean="0"/>
+          </a:p>
+          <a:p>
+            <a:pPr algn="l"/>
+            <a:r>
+              <a:rPr lang="de-DE" sz="2400" b="1" dirty="0" smtClean="0"/>
+              <a:t>Eine Internetplattform für das Sprachenlernen</a:t>
+            </a:r>
+          </a:p>
+          <a:p>
+            <a:pPr algn="l"/>
+            <a:endParaRPr lang="de-DE" sz="2000" dirty="0" smtClean="0"/>
+          </a:p>
+          <a:p>
+            <a:pPr algn="l"/>
+            <a:r>
+              <a:rPr lang="de-DE" sz="2000" dirty="0" smtClean="0"/>
+              <a:t>Das EU-Projekt ist am IDS an das Projekt </a:t>
+            </a:r>
+            <a:r>
+              <a:rPr lang="de-DE" sz="2000" dirty="0" smtClean="0">
+                <a:hlinkClick r:id="rId2"/>
+              </a:rPr>
+              <a:t>Usuelle Wortverbindungen</a:t>
+            </a:r>
+            <a:r>
+              <a:rPr lang="de-DE" sz="2000" dirty="0" smtClean="0"/>
+              <a:t> angebunden. Es werden zwei Arbeitsschwerpunkte bearbeitet:</a:t>
+            </a:r>
+          </a:p>
+          <a:p>
+            <a:pPr algn="l">
+              <a:buFont typeface="Arial" pitchFamily="34" charset="0"/>
+              <a:buChar char="•"/>
+            </a:pPr>
+            <a:r>
+              <a:rPr lang="de-DE" sz="2000" dirty="0" smtClean="0"/>
+              <a:t> </a:t>
+            </a:r>
+            <a:r>
+              <a:rPr lang="de-DE" sz="2000" dirty="0" err="1" smtClean="0"/>
+              <a:t>Korpusbasierte</a:t>
+            </a:r>
+            <a:r>
+              <a:rPr lang="de-DE" sz="2000" dirty="0" smtClean="0"/>
+              <a:t> Erarbeitung der deutschen </a:t>
+            </a:r>
+            <a:r>
+              <a:rPr lang="de-DE" sz="2000" dirty="0" err="1" smtClean="0"/>
+              <a:t>Sprichwortliste</a:t>
+            </a:r>
+            <a:endParaRPr lang="de-DE" sz="2000" dirty="0" smtClean="0"/>
+          </a:p>
+          <a:p>
+            <a:pPr algn="l">
+              <a:buFont typeface="Arial" pitchFamily="34" charset="0"/>
+              <a:buChar char="•"/>
+            </a:pPr>
+            <a:r>
+              <a:rPr lang="de-DE" sz="2000" dirty="0" smtClean="0"/>
+              <a:t> Verfassen von 300 </a:t>
+            </a:r>
+            <a:r>
+              <a:rPr lang="de-DE" sz="2000" dirty="0" err="1" smtClean="0"/>
+              <a:t>Sprichwortartikeln</a:t>
+            </a:r>
+            <a:r>
+              <a:rPr lang="de-DE" sz="2000" dirty="0" smtClean="0"/>
+              <a:t> in der Ausgangssprache Deutsch</a:t>
+            </a:r>
+          </a:p>
+          <a:p>
+            <a:pPr algn="l">
+              <a:buFont typeface="Arial" pitchFamily="34" charset="0"/>
+              <a:buChar char="•"/>
+            </a:pPr>
+            <a:endParaRPr lang="de-DE" sz="1000" dirty="0" smtClean="0"/>
+          </a:p>
+          <a:p>
+            <a:pPr algn="l"/>
+            <a:r>
+              <a:rPr lang="de-DE" sz="2000" dirty="0" smtClean="0"/>
+              <a:t>Das EU-Projekt wurde 2010 erfolgreich abgeschlossen. </a:t>
+            </a:r>
+          </a:p>
+          <a:p>
+            <a:pPr algn="l"/>
+            <a:endParaRPr lang="de-DE" dirty="0"/>
+          </a:p>
+        </p:txBody>
+      </p:sp>
+      <p:pic>
+        <p:nvPicPr>
+          <p:cNvPr id="4" name="Grafik 3" descr="ScreenHunter_04 Mar. 18 15.54.gif"/>
+          <p:cNvPicPr>
+            <a:picLocks noChangeAspect="1"/>
+          </p:cNvPicPr>
+          <p:nvPr/>
+        </p:nvPicPr>
+        <p:blipFill>
+          <a:blip r:embed="rId3" cstate="print"/>
+          <a:stretch>
+            <a:fillRect/>
+          </a:stretch>
+        </p:blipFill>
+        <p:spPr>
+          <a:xfrm>
+            <a:off x="6096000" y="0"/>
+            <a:ext cx="3048000" cy="409575"/>
           </a:xfrm>
           <a:prstGeom prst="rect">
             <a:avLst/>
@@ -5775,301 +5865,6 @@
 </file>
 
 <file path=ppt/slides/slide7.xml><?xml version="1.0" encoding="utf-8"?>
-<p:sld xmlns:a="http://schemas.openxmlformats.org/drawingml/2006/main" xmlns:r="http://schemas.openxmlformats.org/officeDocument/2006/relationships" xmlns:p="http://schemas.openxmlformats.org/presentationml/2006/main">
-  <p:cSld>
-    <p:spTree>
-      <p:nvGrpSpPr>
-        <p:cNvPr id="1" name=""/>
-        <p:cNvGrpSpPr/>
-        <p:nvPr/>
-      </p:nvGrpSpPr>
-      <p:grpSpPr>
-        <a:xfrm>
-          <a:off x="0" y="0"/>
-          <a:ext cx="0" cy="0"/>
-          <a:chOff x="0" y="0"/>
-          <a:chExt cx="0" cy="0"/>
-        </a:xfrm>
-      </p:grpSpPr>
-      <p:sp>
-        <p:nvSpPr>
-          <p:cNvPr id="5" name="Titel 4"/>
-          <p:cNvSpPr>
-            <a:spLocks noGrp="1"/>
-          </p:cNvSpPr>
-          <p:nvPr>
-            <p:ph type="ctrTitle"/>
-          </p:nvPr>
-        </p:nvSpPr>
-        <p:spPr>
-          <a:xfrm>
-            <a:off x="533400" y="1052736"/>
-            <a:ext cx="7851648" cy="936104"/>
-          </a:xfrm>
-        </p:spPr>
-        <p:txBody>
-          <a:bodyPr>
-            <a:normAutofit/>
-          </a:bodyPr>
-          <a:lstStyle/>
-          <a:p>
-            <a:pPr algn="l"/>
-            <a:endParaRPr lang="de-DE" sz="5000" dirty="0"/>
-          </a:p>
-        </p:txBody>
-      </p:sp>
-      <p:sp>
-        <p:nvSpPr>
-          <p:cNvPr id="6" name="Untertitel 5"/>
-          <p:cNvSpPr>
-            <a:spLocks noGrp="1"/>
-          </p:cNvSpPr>
-          <p:nvPr>
-            <p:ph type="subTitle" idx="1"/>
-          </p:nvPr>
-        </p:nvSpPr>
-        <p:spPr>
-          <a:xfrm>
-            <a:off x="533400" y="2276872"/>
-            <a:ext cx="7854696" cy="4176464"/>
-          </a:xfrm>
-        </p:spPr>
-        <p:txBody>
-          <a:bodyPr>
-            <a:normAutofit/>
-          </a:bodyPr>
-          <a:lstStyle/>
-          <a:p>
-            <a:pPr algn="l"/>
-            <a:r>
-              <a:rPr lang="de-DE" b="1" dirty="0" err="1" smtClean="0"/>
-              <a:t>SprichWort</a:t>
-            </a:r>
-            <a:endParaRPr lang="de-DE" b="1" dirty="0" smtClean="0"/>
-          </a:p>
-          <a:p>
-            <a:pPr algn="l"/>
-            <a:r>
-              <a:rPr lang="de-DE" sz="2400" b="1" dirty="0" smtClean="0"/>
-              <a:t>Eine Internetplattform für das </a:t>
-            </a:r>
-            <a:r>
-              <a:rPr lang="de-DE" sz="2400" b="1" dirty="0" smtClean="0"/>
-              <a:t>Sprachenlernen</a:t>
-            </a:r>
-            <a:endParaRPr lang="de-DE" sz="2400" b="1" dirty="0" smtClean="0"/>
-          </a:p>
-          <a:p>
-            <a:pPr algn="l"/>
-            <a:endParaRPr lang="de-DE" sz="2000" dirty="0" smtClean="0"/>
-          </a:p>
-          <a:p>
-            <a:pPr algn="l"/>
-            <a:r>
-              <a:rPr lang="de-DE" sz="2000" dirty="0" smtClean="0"/>
-              <a:t>Das </a:t>
-            </a:r>
-            <a:r>
-              <a:rPr lang="de-DE" sz="2000" dirty="0" smtClean="0"/>
-              <a:t>EU-Projekt ist am IDS an das Projekt </a:t>
-            </a:r>
-            <a:r>
-              <a:rPr lang="de-DE" sz="2000" dirty="0" smtClean="0">
-                <a:hlinkClick r:id="rId2"/>
-              </a:rPr>
-              <a:t>Usuelle Wortverbindungen</a:t>
-            </a:r>
-            <a:r>
-              <a:rPr lang="de-DE" sz="2000" dirty="0" smtClean="0"/>
-              <a:t> angebunden. Es werden zwei Arbeitsschwerpunkte bearbeitet:</a:t>
-            </a:r>
-          </a:p>
-          <a:p>
-            <a:pPr algn="l">
-              <a:buFont typeface="Arial" pitchFamily="34" charset="0"/>
-              <a:buChar char="•"/>
-            </a:pPr>
-            <a:r>
-              <a:rPr lang="de-DE" sz="2000" dirty="0" smtClean="0"/>
-              <a:t> </a:t>
-            </a:r>
-            <a:r>
-              <a:rPr lang="de-DE" sz="2000" dirty="0" err="1" smtClean="0"/>
-              <a:t>Korpusbasierte</a:t>
-            </a:r>
-            <a:r>
-              <a:rPr lang="de-DE" sz="2000" dirty="0" smtClean="0"/>
-              <a:t> Erarbeitung der deutschen </a:t>
-            </a:r>
-            <a:r>
-              <a:rPr lang="de-DE" sz="2000" dirty="0" err="1" smtClean="0"/>
-              <a:t>Sprichwortliste</a:t>
-            </a:r>
-            <a:endParaRPr lang="de-DE" sz="2000" dirty="0" smtClean="0"/>
-          </a:p>
-          <a:p>
-            <a:pPr algn="l">
-              <a:buFont typeface="Arial" pitchFamily="34" charset="0"/>
-              <a:buChar char="•"/>
-            </a:pPr>
-            <a:r>
-              <a:rPr lang="de-DE" sz="2000" dirty="0" smtClean="0"/>
-              <a:t> Verfassen von 300 </a:t>
-            </a:r>
-            <a:r>
-              <a:rPr lang="de-DE" sz="2000" dirty="0" err="1" smtClean="0"/>
-              <a:t>Sprichwortartikeln</a:t>
-            </a:r>
-            <a:r>
-              <a:rPr lang="de-DE" sz="2000" dirty="0" smtClean="0"/>
-              <a:t> in der Ausgangssprache </a:t>
-            </a:r>
-            <a:r>
-              <a:rPr lang="de-DE" sz="2000" dirty="0" smtClean="0"/>
-              <a:t>Deutsch</a:t>
-            </a:r>
-          </a:p>
-          <a:p>
-            <a:pPr algn="l">
-              <a:buFont typeface="Arial" pitchFamily="34" charset="0"/>
-              <a:buChar char="•"/>
-            </a:pPr>
-            <a:endParaRPr lang="de-DE" sz="1000" dirty="0" smtClean="0"/>
-          </a:p>
-          <a:p>
-            <a:pPr algn="l"/>
-            <a:r>
-              <a:rPr lang="de-DE" sz="2000" dirty="0" smtClean="0"/>
-              <a:t>Das </a:t>
-            </a:r>
-            <a:r>
-              <a:rPr lang="de-DE" sz="2000" dirty="0" smtClean="0"/>
-              <a:t>EU-Projekt wurde 2010 erfolgreich abgeschlossen. </a:t>
-            </a:r>
-          </a:p>
-          <a:p>
-            <a:pPr algn="l"/>
-            <a:endParaRPr lang="de-DE" dirty="0"/>
-          </a:p>
-        </p:txBody>
-      </p:sp>
-      <p:pic>
-        <p:nvPicPr>
-          <p:cNvPr id="4" name="Grafik 3" descr="ScreenHunter_04 Mar. 18 15.54.gif"/>
-          <p:cNvPicPr>
-            <a:picLocks noChangeAspect="1"/>
-          </p:cNvPicPr>
-          <p:nvPr/>
-        </p:nvPicPr>
-        <p:blipFill>
-          <a:blip r:embed="rId3" cstate="print"/>
-          <a:stretch>
-            <a:fillRect/>
-          </a:stretch>
-        </p:blipFill>
-        <p:spPr>
-          <a:xfrm>
-            <a:off x="6096000" y="0"/>
-            <a:ext cx="3048000" cy="409575"/>
-          </a:xfrm>
-          <a:prstGeom prst="rect">
-            <a:avLst/>
-          </a:prstGeom>
-        </p:spPr>
-      </p:pic>
-    </p:spTree>
-  </p:cSld>
-  <p:clrMapOvr>
-    <a:masterClrMapping/>
-  </p:clrMapOvr>
-  <p:timing>
-    <p:tnLst>
-      <p:par>
-        <p:cTn id="1" dur="indefinite" restart="never" nodeType="tmRoot"/>
-      </p:par>
-    </p:tnLst>
-  </p:timing>
-</p:sld>
-</file>
-
-<file path=ppt/slides/slide8.xml><?xml version="1.0" encoding="utf-8"?>
-<p:sld xmlns:a="http://schemas.openxmlformats.org/drawingml/2006/main" xmlns:r="http://schemas.openxmlformats.org/officeDocument/2006/relationships" xmlns:p="http://schemas.openxmlformats.org/presentationml/2006/main">
-  <p:cSld>
-    <p:spTree>
-      <p:nvGrpSpPr>
-        <p:cNvPr id="1" name=""/>
-        <p:cNvGrpSpPr/>
-        <p:nvPr/>
-      </p:nvGrpSpPr>
-      <p:grpSpPr>
-        <a:xfrm>
-          <a:off x="0" y="0"/>
-          <a:ext cx="0" cy="0"/>
-          <a:chOff x="0" y="0"/>
-          <a:chExt cx="0" cy="0"/>
-        </a:xfrm>
-      </p:grpSpPr>
-      <p:sp>
-        <p:nvSpPr>
-          <p:cNvPr id="5" name="Titel 4"/>
-          <p:cNvSpPr>
-            <a:spLocks noGrp="1"/>
-          </p:cNvSpPr>
-          <p:nvPr>
-            <p:ph type="ctrTitle"/>
-          </p:nvPr>
-        </p:nvSpPr>
-        <p:spPr>
-          <a:xfrm>
-            <a:off x="533400" y="1052736"/>
-            <a:ext cx="7851648" cy="936104"/>
-          </a:xfrm>
-        </p:spPr>
-        <p:txBody>
-          <a:bodyPr>
-            <a:normAutofit/>
-          </a:bodyPr>
-          <a:lstStyle/>
-          <a:p>
-            <a:endParaRPr lang="de-DE" sz="5000" dirty="0"/>
-          </a:p>
-        </p:txBody>
-      </p:sp>
-      <p:sp>
-        <p:nvSpPr>
-          <p:cNvPr id="6" name="Untertitel 5"/>
-          <p:cNvSpPr>
-            <a:spLocks noGrp="1"/>
-          </p:cNvSpPr>
-          <p:nvPr>
-            <p:ph type="subTitle" idx="1"/>
-          </p:nvPr>
-        </p:nvSpPr>
-        <p:spPr/>
-        <p:txBody>
-          <a:bodyPr/>
-          <a:lstStyle/>
-          <a:p>
-            <a:endParaRPr lang="de-DE"/>
-          </a:p>
-        </p:txBody>
-      </p:sp>
-    </p:spTree>
-  </p:cSld>
-  <p:clrMapOvr>
-    <a:masterClrMapping/>
-  </p:clrMapOvr>
-  <p:timing>
-    <p:tnLst>
-      <p:par>
-        <p:cTn id="1" dur="indefinite" restart="never" nodeType="tmRoot"/>
-      </p:par>
-    </p:tnLst>
-  </p:timing>
-</p:sld>
-</file>
-
-<file path=ppt/slides/slide9.xml><?xml version="1.0" encoding="utf-8"?>
 <p:sld xmlns:a="http://schemas.openxmlformats.org/drawingml/2006/main" xmlns:r="http://schemas.openxmlformats.org/officeDocument/2006/relationships" xmlns:p="http://schemas.openxmlformats.org/presentationml/2006/main">
   <p:cSld>
     <p:spTree>
